--- a/NYC_taxi_company_analysis_Killer_Bass.pptx
+++ b/NYC_taxi_company_analysis_Killer_Bass.pptx
@@ -13,23 +13,24 @@
     <p:sldId id="258" r:id="rId8"/>
     <p:sldId id="259" r:id="rId9"/>
     <p:sldId id="260" r:id="rId10"/>
+    <p:sldId id="261" r:id="rId11"/>
   </p:sldIdLst>
   <p:sldSz cy="5143500" cx="9144000"/>
   <p:notesSz cx="6858000" cy="9144000"/>
   <p:embeddedFontLst>
     <p:embeddedFont>
       <p:font typeface="Montserrat"/>
-      <p:regular r:id="rId11"/>
-      <p:bold r:id="rId12"/>
-      <p:italic r:id="rId13"/>
-      <p:boldItalic r:id="rId14"/>
+      <p:regular r:id="rId12"/>
+      <p:bold r:id="rId13"/>
+      <p:italic r:id="rId14"/>
+      <p:boldItalic r:id="rId15"/>
     </p:embeddedFont>
     <p:embeddedFont>
       <p:font typeface="Lato"/>
-      <p:regular r:id="rId15"/>
-      <p:bold r:id="rId16"/>
-      <p:italic r:id="rId17"/>
-      <p:boldItalic r:id="rId18"/>
+      <p:regular r:id="rId16"/>
+      <p:bold r:id="rId17"/>
+      <p:italic r:id="rId18"/>
+      <p:boldItalic r:id="rId19"/>
     </p:embeddedFont>
   </p:embeddedFontLst>
   <p:defaultTextStyle>
@@ -923,7 +924,7 @@
       </p:grpSpPr>
       <p:sp>
         <p:nvSpPr>
-          <p:cNvPr id="143" name="Google Shape;143;g13b13636317_0_5:notes"/>
+          <p:cNvPr id="143" name="Google Shape;143;g13b13636317_0_10:notes"/>
           <p:cNvSpPr/>
           <p:nvPr>
             <p:ph idx="2" type="sldImg"/>
@@ -958,7 +959,7 @@
       </p:sp>
       <p:sp>
         <p:nvSpPr>
-          <p:cNvPr id="144" name="Google Shape;144;g13b13636317_0_5:notes"/>
+          <p:cNvPr id="144" name="Google Shape;144;g13b13636317_0_10:notes"/>
           <p:cNvSpPr txBox="1"/>
           <p:nvPr>
             <p:ph idx="1" type="body"/>
@@ -1008,7 +1009,7 @@
   <p:cSld>
     <p:spTree>
       <p:nvGrpSpPr>
-        <p:cNvPr id="148" name="Shape 148"/>
+        <p:cNvPr id="149" name="Shape 149"/>
         <p:cNvGrpSpPr/>
         <p:nvPr/>
       </p:nvGrpSpPr>
@@ -1022,7 +1023,7 @@
       </p:grpSpPr>
       <p:sp>
         <p:nvSpPr>
-          <p:cNvPr id="149" name="Google Shape;149;g13b13636317_0_10:notes"/>
+          <p:cNvPr id="150" name="Google Shape;150;g13b13636317_0_5:notes"/>
           <p:cNvSpPr/>
           <p:nvPr>
             <p:ph idx="2" type="sldImg"/>
@@ -1057,7 +1058,7 @@
       </p:sp>
       <p:sp>
         <p:nvSpPr>
-          <p:cNvPr id="150" name="Google Shape;150;g13b13636317_0_10:notes"/>
+          <p:cNvPr id="151" name="Google Shape;151;g13b13636317_0_5:notes"/>
           <p:cNvSpPr txBox="1"/>
           <p:nvPr>
             <p:ph idx="1" type="body"/>
@@ -1157,6 +1158,105 @@
       <p:sp>
         <p:nvSpPr>
           <p:cNvPr id="157" name="Google Shape;157;g13b13636317_0_15:notes"/>
+          <p:cNvSpPr txBox="1"/>
+          <p:nvPr>
+            <p:ph idx="1" type="body"/>
+          </p:nvPr>
+        </p:nvSpPr>
+        <p:spPr>
+          <a:xfrm>
+            <a:off x="685800" y="4343400"/>
+            <a:ext cx="5486400" cy="4114800"/>
+          </a:xfrm>
+          <a:prstGeom prst="rect">
+            <a:avLst/>
+          </a:prstGeom>
+        </p:spPr>
+        <p:txBody>
+          <a:bodyPr anchorCtr="0" anchor="t" bIns="91425" lIns="91425" spcFirstLastPara="1" rIns="91425" wrap="square" tIns="91425">
+            <a:noAutofit/>
+          </a:bodyPr>
+          <a:lstStyle/>
+          <a:p>
+            <a:pPr indent="0" lvl="0" marL="0" rtl="0" algn="l">
+              <a:spcBef>
+                <a:spcPts val="0"/>
+              </a:spcBef>
+              <a:spcAft>
+                <a:spcPts val="0"/>
+              </a:spcAft>
+              <a:buNone/>
+            </a:pPr>
+            <a:r>
+              <a:t/>
+            </a:r>
+            <a:endParaRPr/>
+          </a:p>
+        </p:txBody>
+      </p:sp>
+    </p:spTree>
+  </p:cSld>
+  <p:clrMapOvr>
+    <a:masterClrMapping/>
+  </p:clrMapOvr>
+</p:notes>
+</file>
+
+<file path=ppt/notesSlides/notesSlide6.xml><?xml version="1.0" encoding="utf-8"?>
+<p:notes xmlns:a="http://schemas.openxmlformats.org/drawingml/2006/main" xmlns:r="http://schemas.openxmlformats.org/officeDocument/2006/relationships" xmlns:mc="http://schemas.openxmlformats.org/markup-compatibility/2006" xmlns:mv="urn:schemas-microsoft-com:mac:vml" xmlns:p="http://schemas.openxmlformats.org/presentationml/2006/main" xmlns:c="http://schemas.openxmlformats.org/drawingml/2006/chart" xmlns:dgm="http://schemas.openxmlformats.org/drawingml/2006/diagram" xmlns:o="urn:schemas-microsoft-com:office:office" xmlns:v="urn:schemas-microsoft-com:vml" xmlns:pvml="urn:schemas-microsoft-com:office:powerpoint" xmlns:com="http://schemas.openxmlformats.org/drawingml/2006/compatibility" xmlns:p14="http://schemas.microsoft.com/office/powerpoint/2010/main" xmlns:p15="http://schemas.microsoft.com/office/powerpoint/2012/main" xmlns:ahyp="http://schemas.microsoft.com/office/drawing/2018/hyperlinkcolor" showMasterPhAnim="0" showMasterSp="0">
+  <p:cSld>
+    <p:spTree>
+      <p:nvGrpSpPr>
+        <p:cNvPr id="161" name="Shape 161"/>
+        <p:cNvGrpSpPr/>
+        <p:nvPr/>
+      </p:nvGrpSpPr>
+      <p:grpSpPr>
+        <a:xfrm>
+          <a:off x="0" y="0"/>
+          <a:ext cx="0" cy="0"/>
+          <a:chOff x="0" y="0"/>
+          <a:chExt cx="0" cy="0"/>
+        </a:xfrm>
+      </p:grpSpPr>
+      <p:sp>
+        <p:nvSpPr>
+          <p:cNvPr id="162" name="Google Shape;162;g13b7d2c579e_0_0:notes"/>
+          <p:cNvSpPr/>
+          <p:nvPr>
+            <p:ph idx="2" type="sldImg"/>
+          </p:nvPr>
+        </p:nvSpPr>
+        <p:spPr>
+          <a:xfrm>
+            <a:off x="381300" y="685800"/>
+            <a:ext cx="6096000" cy="3429000"/>
+          </a:xfrm>
+          <a:custGeom>
+            <a:rect b="b" l="l" r="r" t="t"/>
+            <a:pathLst>
+              <a:path extrusionOk="0" h="120000" w="120000">
+                <a:moveTo>
+                  <a:pt x="0" y="0"/>
+                </a:moveTo>
+                <a:lnTo>
+                  <a:pt x="120000" y="0"/>
+                </a:lnTo>
+                <a:lnTo>
+                  <a:pt x="120000" y="120000"/>
+                </a:lnTo>
+                <a:lnTo>
+                  <a:pt x="0" y="120000"/>
+                </a:lnTo>
+                <a:close/>
+              </a:path>
+            </a:pathLst>
+          </a:custGeom>
+        </p:spPr>
+      </p:sp>
+      <p:sp>
+        <p:nvSpPr>
+          <p:cNvPr id="163" name="Google Shape;163;g13b7d2c579e_0_0:notes"/>
           <p:cNvSpPr txBox="1"/>
           <p:nvPr>
             <p:ph idx="1" type="body"/>
@@ -9698,117 +9798,6 @@
         </p:blipFill>
         <p:spPr>
           <a:xfrm>
-            <a:off x="197038" y="1522000"/>
-            <a:ext cx="8749925" cy="2339266"/>
-          </a:xfrm>
-          <a:prstGeom prst="rect">
-            <a:avLst/>
-          </a:prstGeom>
-          <a:noFill/>
-          <a:ln>
-            <a:noFill/>
-          </a:ln>
-        </p:spPr>
-      </p:pic>
-      <p:sp>
-        <p:nvSpPr>
-          <p:cNvPr id="147" name="Google Shape;147;p15"/>
-          <p:cNvSpPr txBox="1"/>
-          <p:nvPr/>
-        </p:nvSpPr>
-        <p:spPr>
-          <a:xfrm>
-            <a:off x="3018163" y="415725"/>
-            <a:ext cx="3107700" cy="800400"/>
-          </a:xfrm>
-          <a:prstGeom prst="rect">
-            <a:avLst/>
-          </a:prstGeom>
-          <a:noFill/>
-          <a:ln>
-            <a:noFill/>
-          </a:ln>
-        </p:spPr>
-        <p:txBody>
-          <a:bodyPr anchorCtr="0" anchor="t" bIns="91425" lIns="91425" spcFirstLastPara="1" rIns="91425" wrap="square" tIns="91425">
-            <a:spAutoFit/>
-          </a:bodyPr>
-          <a:lstStyle/>
-          <a:p>
-            <a:pPr indent="0" lvl="0" marL="0" rtl="0" algn="ctr">
-              <a:spcBef>
-                <a:spcPts val="0"/>
-              </a:spcBef>
-              <a:spcAft>
-                <a:spcPts val="0"/>
-              </a:spcAft>
-              <a:buNone/>
-            </a:pPr>
-            <a:r>
-              <a:rPr b="1" lang="en" sz="2000">
-                <a:solidFill>
-                  <a:schemeClr val="lt1"/>
-                </a:solidFill>
-                <a:latin typeface="Lato"/>
-                <a:ea typeface="Lato"/>
-                <a:cs typeface="Lato"/>
-                <a:sym typeface="Lato"/>
-              </a:rPr>
-              <a:t>Factors influencing Taxi Companies</a:t>
-            </a:r>
-            <a:endParaRPr b="1" sz="2000">
-              <a:solidFill>
-                <a:schemeClr val="lt1"/>
-              </a:solidFill>
-              <a:latin typeface="Lato"/>
-              <a:ea typeface="Lato"/>
-              <a:cs typeface="Lato"/>
-              <a:sym typeface="Lato"/>
-            </a:endParaRPr>
-          </a:p>
-        </p:txBody>
-      </p:sp>
-    </p:spTree>
-  </p:cSld>
-  <p:clrMapOvr>
-    <a:masterClrMapping/>
-  </p:clrMapOvr>
-</p:sld>
-</file>
-
-<file path=ppt/slides/slide4.xml><?xml version="1.0" encoding="utf-8"?>
-<p:sld xmlns:a="http://schemas.openxmlformats.org/drawingml/2006/main" xmlns:r="http://schemas.openxmlformats.org/officeDocument/2006/relationships" xmlns:mc="http://schemas.openxmlformats.org/markup-compatibility/2006" xmlns:mv="urn:schemas-microsoft-com:mac:vml" xmlns:p="http://schemas.openxmlformats.org/presentationml/2006/main" xmlns:c="http://schemas.openxmlformats.org/drawingml/2006/chart" xmlns:dgm="http://schemas.openxmlformats.org/drawingml/2006/diagram" xmlns:o="urn:schemas-microsoft-com:office:office" xmlns:v="urn:schemas-microsoft-com:vml" xmlns:pvml="urn:schemas-microsoft-com:office:powerpoint" xmlns:com="http://schemas.openxmlformats.org/drawingml/2006/compatibility" xmlns:p14="http://schemas.microsoft.com/office/powerpoint/2010/main" xmlns:p15="http://schemas.microsoft.com/office/powerpoint/2012/main" xmlns:ahyp="http://schemas.microsoft.com/office/drawing/2018/hyperlinkcolor">
-  <p:cSld>
-    <p:spTree>
-      <p:nvGrpSpPr>
-        <p:cNvPr id="151" name="Shape 151"/>
-        <p:cNvGrpSpPr/>
-        <p:nvPr/>
-      </p:nvGrpSpPr>
-      <p:grpSpPr>
-        <a:xfrm>
-          <a:off x="0" y="0"/>
-          <a:ext cx="0" cy="0"/>
-          <a:chOff x="0" y="0"/>
-          <a:chExt cx="0" cy="0"/>
-        </a:xfrm>
-      </p:grpSpPr>
-      <p:pic>
-        <p:nvPicPr>
-          <p:cNvPr id="152" name="Google Shape;152;p16"/>
-          <p:cNvPicPr preferRelativeResize="0"/>
-          <p:nvPr/>
-        </p:nvPicPr>
-        <p:blipFill>
-          <a:blip r:embed="rId3">
-            <a:alphaModFix/>
-          </a:blip>
-          <a:stretch>
-            <a:fillRect/>
-          </a:stretch>
-        </p:blipFill>
-        <p:spPr>
-          <a:xfrm>
             <a:off x="241025" y="1529075"/>
             <a:ext cx="6216024" cy="3267400"/>
           </a:xfrm>
@@ -9823,7 +9812,7 @@
       </p:pic>
       <p:sp>
         <p:nvSpPr>
-          <p:cNvPr id="153" name="Google Shape;153;p16"/>
+          <p:cNvPr id="147" name="Google Shape;147;p15"/>
           <p:cNvSpPr txBox="1"/>
           <p:nvPr/>
         </p:nvSpPr>
@@ -9881,7 +9870,7 @@
       </p:sp>
       <p:sp>
         <p:nvSpPr>
-          <p:cNvPr id="154" name="Google Shape;154;p16"/>
+          <p:cNvPr id="148" name="Google Shape;148;p15"/>
           <p:cNvSpPr txBox="1"/>
           <p:nvPr/>
         </p:nvSpPr>
@@ -10053,6 +10042,117 @@
             <a:endParaRPr sz="1600">
               <a:solidFill>
                 <a:schemeClr val="lt2"/>
+              </a:solidFill>
+              <a:latin typeface="Lato"/>
+              <a:ea typeface="Lato"/>
+              <a:cs typeface="Lato"/>
+              <a:sym typeface="Lato"/>
+            </a:endParaRPr>
+          </a:p>
+        </p:txBody>
+      </p:sp>
+    </p:spTree>
+  </p:cSld>
+  <p:clrMapOvr>
+    <a:masterClrMapping/>
+  </p:clrMapOvr>
+</p:sld>
+</file>
+
+<file path=ppt/slides/slide4.xml><?xml version="1.0" encoding="utf-8"?>
+<p:sld xmlns:a="http://schemas.openxmlformats.org/drawingml/2006/main" xmlns:r="http://schemas.openxmlformats.org/officeDocument/2006/relationships" xmlns:mc="http://schemas.openxmlformats.org/markup-compatibility/2006" xmlns:mv="urn:schemas-microsoft-com:mac:vml" xmlns:p="http://schemas.openxmlformats.org/presentationml/2006/main" xmlns:c="http://schemas.openxmlformats.org/drawingml/2006/chart" xmlns:dgm="http://schemas.openxmlformats.org/drawingml/2006/diagram" xmlns:o="urn:schemas-microsoft-com:office:office" xmlns:v="urn:schemas-microsoft-com:vml" xmlns:pvml="urn:schemas-microsoft-com:office:powerpoint" xmlns:com="http://schemas.openxmlformats.org/drawingml/2006/compatibility" xmlns:p14="http://schemas.microsoft.com/office/powerpoint/2010/main" xmlns:p15="http://schemas.microsoft.com/office/powerpoint/2012/main" xmlns:ahyp="http://schemas.microsoft.com/office/drawing/2018/hyperlinkcolor">
+  <p:cSld>
+    <p:spTree>
+      <p:nvGrpSpPr>
+        <p:cNvPr id="152" name="Shape 152"/>
+        <p:cNvGrpSpPr/>
+        <p:nvPr/>
+      </p:nvGrpSpPr>
+      <p:grpSpPr>
+        <a:xfrm>
+          <a:off x="0" y="0"/>
+          <a:ext cx="0" cy="0"/>
+          <a:chOff x="0" y="0"/>
+          <a:chExt cx="0" cy="0"/>
+        </a:xfrm>
+      </p:grpSpPr>
+      <p:pic>
+        <p:nvPicPr>
+          <p:cNvPr id="153" name="Google Shape;153;p16"/>
+          <p:cNvPicPr preferRelativeResize="0"/>
+          <p:nvPr/>
+        </p:nvPicPr>
+        <p:blipFill>
+          <a:blip r:embed="rId3">
+            <a:alphaModFix/>
+          </a:blip>
+          <a:stretch>
+            <a:fillRect/>
+          </a:stretch>
+        </p:blipFill>
+        <p:spPr>
+          <a:xfrm>
+            <a:off x="197038" y="1522000"/>
+            <a:ext cx="8749925" cy="2339266"/>
+          </a:xfrm>
+          <a:prstGeom prst="rect">
+            <a:avLst/>
+          </a:prstGeom>
+          <a:noFill/>
+          <a:ln>
+            <a:noFill/>
+          </a:ln>
+        </p:spPr>
+      </p:pic>
+      <p:sp>
+        <p:nvSpPr>
+          <p:cNvPr id="154" name="Google Shape;154;p16"/>
+          <p:cNvSpPr txBox="1"/>
+          <p:nvPr/>
+        </p:nvSpPr>
+        <p:spPr>
+          <a:xfrm>
+            <a:off x="3018163" y="415725"/>
+            <a:ext cx="3107700" cy="800400"/>
+          </a:xfrm>
+          <a:prstGeom prst="rect">
+            <a:avLst/>
+          </a:prstGeom>
+          <a:noFill/>
+          <a:ln>
+            <a:noFill/>
+          </a:ln>
+        </p:spPr>
+        <p:txBody>
+          <a:bodyPr anchorCtr="0" anchor="t" bIns="91425" lIns="91425" spcFirstLastPara="1" rIns="91425" wrap="square" tIns="91425">
+            <a:spAutoFit/>
+          </a:bodyPr>
+          <a:lstStyle/>
+          <a:p>
+            <a:pPr indent="0" lvl="0" marL="0" rtl="0" algn="ctr">
+              <a:spcBef>
+                <a:spcPts val="0"/>
+              </a:spcBef>
+              <a:spcAft>
+                <a:spcPts val="0"/>
+              </a:spcAft>
+              <a:buNone/>
+            </a:pPr>
+            <a:r>
+              <a:rPr b="1" lang="en" sz="2000">
+                <a:solidFill>
+                  <a:schemeClr val="lt1"/>
+                </a:solidFill>
+                <a:latin typeface="Lato"/>
+                <a:ea typeface="Lato"/>
+                <a:cs typeface="Lato"/>
+                <a:sym typeface="Lato"/>
+              </a:rPr>
+              <a:t>Factors influencing Taxi Companies</a:t>
+            </a:r>
+            <a:endParaRPr b="1" sz="2000">
+              <a:solidFill>
+                <a:schemeClr val="lt1"/>
               </a:solidFill>
               <a:latin typeface="Lato"/>
               <a:ea typeface="Lato"/>
@@ -10123,8 +10223,8 @@
         </p:nvSpPr>
         <p:spPr>
           <a:xfrm>
-            <a:off x="72150" y="1786800"/>
-            <a:ext cx="2417400" cy="1569900"/>
+            <a:off x="41850" y="1726300"/>
+            <a:ext cx="2417400" cy="2124000"/>
           </a:xfrm>
           <a:prstGeom prst="rect">
             <a:avLst/>
@@ -10224,6 +10324,43 @@
             </a:endParaRPr>
           </a:p>
           <a:p>
+            <a:pPr indent="-342900" lvl="0" marL="457200" rtl="0" algn="l">
+              <a:spcBef>
+                <a:spcPts val="0"/>
+              </a:spcBef>
+              <a:spcAft>
+                <a:spcPts val="0"/>
+              </a:spcAft>
+              <a:buClr>
+                <a:schemeClr val="lt2"/>
+              </a:buClr>
+              <a:buSzPts val="1800"/>
+              <a:buFont typeface="Lato"/>
+              <a:buChar char="●"/>
+            </a:pPr>
+            <a:r>
+              <a:rPr lang="en" sz="1800">
+                <a:solidFill>
+                  <a:schemeClr val="lt2"/>
+                </a:solidFill>
+                <a:latin typeface="Lato"/>
+                <a:ea typeface="Lato"/>
+                <a:cs typeface="Lato"/>
+                <a:sym typeface="Lato"/>
+              </a:rPr>
+              <a:t>2020: Revenue decreased  </a:t>
+            </a:r>
+            <a:endParaRPr sz="1800">
+              <a:solidFill>
+                <a:schemeClr val="lt2"/>
+              </a:solidFill>
+              <a:latin typeface="Lato"/>
+              <a:ea typeface="Lato"/>
+              <a:cs typeface="Lato"/>
+              <a:sym typeface="Lato"/>
+            </a:endParaRPr>
+          </a:p>
+          <a:p>
             <a:pPr indent="0" lvl="0" marL="457200" rtl="0" algn="l">
               <a:spcBef>
                 <a:spcPts val="0"/>
@@ -10245,6 +10382,152 @@
               <a:cs typeface="Lato"/>
               <a:sym typeface="Lato"/>
             </a:endParaRPr>
+          </a:p>
+        </p:txBody>
+      </p:sp>
+    </p:spTree>
+  </p:cSld>
+  <p:clrMapOvr>
+    <a:masterClrMapping/>
+  </p:clrMapOvr>
+</p:sld>
+</file>
+
+<file path=ppt/slides/slide6.xml><?xml version="1.0" encoding="utf-8"?>
+<p:sld xmlns:a="http://schemas.openxmlformats.org/drawingml/2006/main" xmlns:r="http://schemas.openxmlformats.org/officeDocument/2006/relationships" xmlns:mc="http://schemas.openxmlformats.org/markup-compatibility/2006" xmlns:mv="urn:schemas-microsoft-com:mac:vml" xmlns:p="http://schemas.openxmlformats.org/presentationml/2006/main" xmlns:c="http://schemas.openxmlformats.org/drawingml/2006/chart" xmlns:dgm="http://schemas.openxmlformats.org/drawingml/2006/diagram" xmlns:o="urn:schemas-microsoft-com:office:office" xmlns:v="urn:schemas-microsoft-com:vml" xmlns:pvml="urn:schemas-microsoft-com:office:powerpoint" xmlns:com="http://schemas.openxmlformats.org/drawingml/2006/compatibility" xmlns:p14="http://schemas.microsoft.com/office/powerpoint/2010/main" xmlns:p15="http://schemas.microsoft.com/office/powerpoint/2012/main" xmlns:ahyp="http://schemas.microsoft.com/office/drawing/2018/hyperlinkcolor">
+  <p:cSld>
+    <p:spTree>
+      <p:nvGrpSpPr>
+        <p:cNvPr id="164" name="Shape 164"/>
+        <p:cNvGrpSpPr/>
+        <p:nvPr/>
+      </p:nvGrpSpPr>
+      <p:grpSpPr>
+        <a:xfrm>
+          <a:off x="0" y="0"/>
+          <a:ext cx="0" cy="0"/>
+          <a:chOff x="0" y="0"/>
+          <a:chExt cx="0" cy="0"/>
+        </a:xfrm>
+      </p:grpSpPr>
+      <p:sp>
+        <p:nvSpPr>
+          <p:cNvPr id="165" name="Google Shape;165;p18"/>
+          <p:cNvSpPr txBox="1"/>
+          <p:nvPr>
+            <p:ph type="title"/>
+          </p:nvPr>
+        </p:nvSpPr>
+        <p:spPr>
+          <a:xfrm>
+            <a:off x="1297500" y="393750"/>
+            <a:ext cx="7038900" cy="914100"/>
+          </a:xfrm>
+          <a:prstGeom prst="rect">
+            <a:avLst/>
+          </a:prstGeom>
+        </p:spPr>
+        <p:txBody>
+          <a:bodyPr anchorCtr="0" anchor="t" bIns="91425" lIns="91425" spcFirstLastPara="1" rIns="91425" wrap="square" tIns="91425">
+            <a:normAutofit/>
+          </a:bodyPr>
+          <a:lstStyle/>
+          <a:p>
+            <a:pPr indent="0" lvl="0" marL="0" rtl="0" algn="l">
+              <a:spcBef>
+                <a:spcPts val="0"/>
+              </a:spcBef>
+              <a:spcAft>
+                <a:spcPts val="0"/>
+              </a:spcAft>
+              <a:buNone/>
+            </a:pPr>
+            <a:r>
+              <a:rPr lang="en"/>
+              <a:t>Sources</a:t>
+            </a:r>
+            <a:endParaRPr/>
+          </a:p>
+        </p:txBody>
+      </p:sp>
+      <p:sp>
+        <p:nvSpPr>
+          <p:cNvPr id="166" name="Google Shape;166;p18"/>
+          <p:cNvSpPr txBox="1"/>
+          <p:nvPr>
+            <p:ph idx="1" type="body"/>
+          </p:nvPr>
+        </p:nvSpPr>
+        <p:spPr>
+          <a:xfrm>
+            <a:off x="1297500" y="1567550"/>
+            <a:ext cx="7038900" cy="2911200"/>
+          </a:xfrm>
+          <a:prstGeom prst="rect">
+            <a:avLst/>
+          </a:prstGeom>
+        </p:spPr>
+        <p:txBody>
+          <a:bodyPr anchorCtr="0" anchor="t" bIns="91425" lIns="91425" spcFirstLastPara="1" rIns="91425" wrap="square" tIns="91425">
+            <a:normAutofit/>
+          </a:bodyPr>
+          <a:lstStyle/>
+          <a:p>
+            <a:pPr indent="0" lvl="0" marL="0" rtl="0" algn="l">
+              <a:spcBef>
+                <a:spcPts val="0"/>
+              </a:spcBef>
+              <a:spcAft>
+                <a:spcPts val="0"/>
+              </a:spcAft>
+              <a:buNone/>
+            </a:pPr>
+            <a:r>
+              <a:rPr lang="en" u="sng">
+                <a:solidFill>
+                  <a:schemeClr val="hlink"/>
+                </a:solidFill>
+                <a:hlinkClick r:id="rId3"/>
+              </a:rPr>
+              <a:t>https://www.weather.gov/</a:t>
+            </a:r>
+            <a:endParaRPr/>
+          </a:p>
+          <a:p>
+            <a:pPr indent="0" lvl="0" marL="0" rtl="0" algn="l">
+              <a:spcBef>
+                <a:spcPts val="1200"/>
+              </a:spcBef>
+              <a:spcAft>
+                <a:spcPts val="0"/>
+              </a:spcAft>
+              <a:buNone/>
+            </a:pPr>
+            <a:r>
+              <a:rPr lang="en" u="sng">
+                <a:solidFill>
+                  <a:schemeClr val="hlink"/>
+                </a:solidFill>
+                <a:hlinkClick r:id="rId4"/>
+              </a:rPr>
+              <a:t>https://www.statista.com/statistics/1109711/coronavirus-cases-by-date-new-york-city/</a:t>
+            </a:r>
+            <a:endParaRPr/>
+          </a:p>
+          <a:p>
+            <a:pPr indent="0" lvl="0" marL="0" rtl="0" algn="l">
+              <a:spcBef>
+                <a:spcPts val="1200"/>
+              </a:spcBef>
+              <a:spcAft>
+                <a:spcPts val="1200"/>
+              </a:spcAft>
+              <a:buNone/>
+            </a:pPr>
+            <a:r>
+              <a:t/>
+            </a:r>
+            <a:endParaRPr/>
           </a:p>
         </p:txBody>
       </p:sp>
